--- a/trunk/docs/presentations/2010-03-Vancouver workshop OBI overview-BP.pptx
+++ b/trunk/docs/presentations/2010-03-Vancouver workshop OBI overview-BP.pptx
@@ -210,7 +210,8 @@
           <a:p>
             <a:fld id="{F7CCDDCE-D6AC-4D0B-9F0F-460BBA4686DC}" type="datetimeFigureOut">
               <a:rPr lang="en-US" smtClean="0"/>
-              <a:t>3/21/2010</a:t>
+              <a:pPr/>
+              <a:t>3/22/2010</a:t>
             </a:fld>
             <a:endParaRPr lang="en-US"/>
           </a:p>
@@ -371,6 +372,7 @@
           <a:p>
             <a:fld id="{043764D9-6848-4674-ACDF-2EF4644A5B96}" type="slidenum">
               <a:rPr lang="en-US" smtClean="0"/>
+              <a:pPr/>
               <a:t>‹#›</a:t>
             </a:fld>
             <a:endParaRPr lang="en-US"/>
@@ -1117,7 +1119,7 @@
             <a:fld id="{1D8BD707-D9CF-40AE-B4C6-C98DA3205C09}" type="datetimeFigureOut">
               <a:rPr lang="en-US" smtClean="0"/>
               <a:pPr/>
-              <a:t>3/21/2010</a:t>
+              <a:t>3/22/2010</a:t>
             </a:fld>
             <a:endParaRPr lang="en-US"/>
           </a:p>
@@ -1284,7 +1286,7 @@
             <a:fld id="{1D8BD707-D9CF-40AE-B4C6-C98DA3205C09}" type="datetimeFigureOut">
               <a:rPr lang="en-US" smtClean="0"/>
               <a:pPr/>
-              <a:t>3/21/2010</a:t>
+              <a:t>3/22/2010</a:t>
             </a:fld>
             <a:endParaRPr lang="en-US"/>
           </a:p>
@@ -1461,7 +1463,7 @@
             <a:fld id="{1D8BD707-D9CF-40AE-B4C6-C98DA3205C09}" type="datetimeFigureOut">
               <a:rPr lang="en-US" smtClean="0"/>
               <a:pPr/>
-              <a:t>3/21/2010</a:t>
+              <a:t>3/22/2010</a:t>
             </a:fld>
             <a:endParaRPr lang="en-US"/>
           </a:p>
@@ -1628,7 +1630,7 @@
             <a:fld id="{1D8BD707-D9CF-40AE-B4C6-C98DA3205C09}" type="datetimeFigureOut">
               <a:rPr lang="en-US" smtClean="0"/>
               <a:pPr/>
-              <a:t>3/21/2010</a:t>
+              <a:t>3/22/2010</a:t>
             </a:fld>
             <a:endParaRPr lang="en-US"/>
           </a:p>
@@ -1871,7 +1873,7 @@
             <a:fld id="{1D8BD707-D9CF-40AE-B4C6-C98DA3205C09}" type="datetimeFigureOut">
               <a:rPr lang="en-US" smtClean="0"/>
               <a:pPr/>
-              <a:t>3/21/2010</a:t>
+              <a:t>3/22/2010</a:t>
             </a:fld>
             <a:endParaRPr lang="en-US"/>
           </a:p>
@@ -2156,7 +2158,7 @@
             <a:fld id="{1D8BD707-D9CF-40AE-B4C6-C98DA3205C09}" type="datetimeFigureOut">
               <a:rPr lang="en-US" smtClean="0"/>
               <a:pPr/>
-              <a:t>3/21/2010</a:t>
+              <a:t>3/22/2010</a:t>
             </a:fld>
             <a:endParaRPr lang="en-US"/>
           </a:p>
@@ -2575,7 +2577,7 @@
             <a:fld id="{1D8BD707-D9CF-40AE-B4C6-C98DA3205C09}" type="datetimeFigureOut">
               <a:rPr lang="en-US" smtClean="0"/>
               <a:pPr/>
-              <a:t>3/21/2010</a:t>
+              <a:t>3/22/2010</a:t>
             </a:fld>
             <a:endParaRPr lang="en-US"/>
           </a:p>
@@ -2690,7 +2692,7 @@
             <a:fld id="{1D8BD707-D9CF-40AE-B4C6-C98DA3205C09}" type="datetimeFigureOut">
               <a:rPr lang="en-US" smtClean="0"/>
               <a:pPr/>
-              <a:t>3/21/2010</a:t>
+              <a:t>3/22/2010</a:t>
             </a:fld>
             <a:endParaRPr lang="en-US"/>
           </a:p>
@@ -2782,7 +2784,7 @@
             <a:fld id="{1D8BD707-D9CF-40AE-B4C6-C98DA3205C09}" type="datetimeFigureOut">
               <a:rPr lang="en-US" smtClean="0"/>
               <a:pPr/>
-              <a:t>3/21/2010</a:t>
+              <a:t>3/22/2010</a:t>
             </a:fld>
             <a:endParaRPr lang="en-US"/>
           </a:p>
@@ -3056,7 +3058,7 @@
             <a:fld id="{1D8BD707-D9CF-40AE-B4C6-C98DA3205C09}" type="datetimeFigureOut">
               <a:rPr lang="en-US" smtClean="0"/>
               <a:pPr/>
-              <a:t>3/21/2010</a:t>
+              <a:t>3/22/2010</a:t>
             </a:fld>
             <a:endParaRPr lang="en-US"/>
           </a:p>
@@ -3306,7 +3308,7 @@
             <a:fld id="{1D8BD707-D9CF-40AE-B4C6-C98DA3205C09}" type="datetimeFigureOut">
               <a:rPr lang="en-US" smtClean="0"/>
               <a:pPr/>
-              <a:t>3/21/2010</a:t>
+              <a:t>3/22/2010</a:t>
             </a:fld>
             <a:endParaRPr lang="en-US"/>
           </a:p>
@@ -3516,7 +3518,7 @@
             <a:fld id="{1D8BD707-D9CF-40AE-B4C6-C98DA3205C09}" type="datetimeFigureOut">
               <a:rPr lang="en-US" smtClean="0"/>
               <a:pPr/>
-              <a:t>3/21/2010</a:t>
+              <a:t>3/22/2010</a:t>
             </a:fld>
             <a:endParaRPr lang="en-US"/>
           </a:p>
@@ -3952,6 +3954,13 @@
   <p:clrMapOvr>
     <a:masterClrMapping/>
   </p:clrMapOvr>
+  <p:timing>
+    <p:tnLst>
+      <p:par>
+        <p:cTn id="1" dur="indefinite" restart="never" nodeType="tmRoot"/>
+      </p:par>
+    </p:tnLst>
+  </p:timing>
 </p:sld>
 </file>
 
@@ -4023,6 +4032,13 @@
   <p:clrMapOvr>
     <a:masterClrMapping/>
   </p:clrMapOvr>
+  <p:timing>
+    <p:tnLst>
+      <p:par>
+        <p:cTn id="1" dur="indefinite" restart="never" nodeType="tmRoot"/>
+      </p:par>
+    </p:tnLst>
+  </p:timing>
 </p:sld>
 </file>
 
@@ -4081,6 +4097,13 @@
   <p:clrMapOvr>
     <a:masterClrMapping/>
   </p:clrMapOvr>
+  <p:timing>
+    <p:tnLst>
+      <p:par>
+        <p:cTn id="1" dur="indefinite" restart="never" nodeType="tmRoot"/>
+      </p:par>
+    </p:tnLst>
+  </p:timing>
 </p:sld>
 </file>
 
@@ -4481,6 +4504,13 @@
   <p:clrMapOvr>
     <a:masterClrMapping/>
   </p:clrMapOvr>
+  <p:timing>
+    <p:tnLst>
+      <p:par>
+        <p:cTn id="1" dur="indefinite" restart="never" nodeType="tmRoot"/>
+      </p:par>
+    </p:tnLst>
+  </p:timing>
 </p:sld>
 </file>
 
@@ -4554,25 +4584,13 @@
             </a:r>
             <a:r>
               <a:rPr lang="en-US" sz="2400" dirty="0" smtClean="0"/>
-              <a:t>to </a:t>
-            </a:r>
+              <a:t>to unambiguously identify a term</a:t>
+            </a:r>
+          </a:p>
+          <a:p>
             <a:r>
               <a:rPr lang="en-US" sz="2400" dirty="0" smtClean="0"/>
-              <a:t>unambiguously identify a </a:t>
-            </a:r>
-            <a:r>
-              <a:rPr lang="en-US" sz="2400" dirty="0" smtClean="0"/>
-              <a:t>term</a:t>
-            </a:r>
-          </a:p>
-          <a:p>
-            <a:r>
-              <a:rPr lang="en-US" sz="2400" dirty="0" smtClean="0"/>
-              <a:t>URI </a:t>
-            </a:r>
-            <a:r>
-              <a:rPr lang="en-US" sz="2400" dirty="0" smtClean="0"/>
-              <a:t>of the class </a:t>
+              <a:t>URI of the class </a:t>
             </a:r>
           </a:p>
           <a:p>
@@ -4584,13 +4602,8 @@
           <a:p>
             <a:r>
               <a:rPr lang="en-US" sz="2400" dirty="0" smtClean="0"/>
-              <a:t>Position in the target </a:t>
-            </a:r>
-            <a:r>
-              <a:rPr lang="en-US" sz="2400" dirty="0" smtClean="0"/>
-              <a:t>ontology</a:t>
-            </a:r>
-            <a:endParaRPr lang="en-US" sz="2400" dirty="0" smtClean="0"/>
+              <a:t>Position in the target ontology</a:t>
+            </a:r>
           </a:p>
           <a:p>
             <a:pPr>
@@ -4608,11 +4621,7 @@
           <a:p>
             <a:r>
               <a:rPr lang="en-US" sz="2400" dirty="0" smtClean="0"/>
-              <a:t>Label</a:t>
-            </a:r>
-            <a:r>
-              <a:rPr lang="en-US" sz="2400" dirty="0" smtClean="0"/>
-              <a:t>,</a:t>
+              <a:t>Label,</a:t>
             </a:r>
           </a:p>
           <a:p>
@@ -4650,6 +4659,13 @@
   <p:clrMapOvr>
     <a:masterClrMapping/>
   </p:clrMapOvr>
+  <p:timing>
+    <p:tnLst>
+      <p:par>
+        <p:cTn id="1" dur="indefinite" restart="never" nodeType="tmRoot"/>
+      </p:par>
+    </p:tnLst>
+  </p:timing>
 </p:sld>
 </file>
 
@@ -4850,6 +4866,13 @@
   <p:clrMapOvr>
     <a:masterClrMapping/>
   </p:clrMapOvr>
+  <p:timing>
+    <p:tnLst>
+      <p:par>
+        <p:cTn id="1" dur="indefinite" restart="never" nodeType="tmRoot"/>
+      </p:par>
+    </p:tnLst>
+  </p:timing>
 </p:sld>
 </file>
 
@@ -4922,23 +4945,7 @@
           <a:p>
             <a:r>
               <a:rPr lang="en-US" sz="2400" dirty="0" smtClean="0"/>
-              <a:t>Terms </a:t>
-            </a:r>
-            <a:r>
-              <a:rPr lang="en-US" sz="2400" dirty="0" smtClean="0"/>
-              <a:t>occasionally </a:t>
-            </a:r>
-            <a:r>
-              <a:rPr lang="en-US" sz="2400" dirty="0" smtClean="0"/>
-              <a:t>need </a:t>
-            </a:r>
-            <a:r>
-              <a:rPr lang="en-US" sz="2400" dirty="0" smtClean="0"/>
-              <a:t>to be </a:t>
-            </a:r>
-            <a:r>
-              <a:rPr lang="en-US" sz="2400" dirty="0" smtClean="0"/>
-              <a:t>retired  (called </a:t>
+              <a:t>Terms occasionally need to be retired  (called </a:t>
             </a:r>
             <a:r>
               <a:rPr lang="en-US" sz="2400" dirty="0" err="1" smtClean="0"/>
@@ -4946,49 +4953,23 @@
             </a:r>
             <a:r>
               <a:rPr lang="en-US" sz="2400" dirty="0" smtClean="0"/>
-              <a:t> </a:t>
-            </a:r>
-            <a:r>
-              <a:rPr lang="en-US" sz="2400" dirty="0" smtClean="0"/>
-              <a:t>or </a:t>
-            </a:r>
-            <a:r>
-              <a:rPr lang="en-US" sz="2400" dirty="0" smtClean="0"/>
-              <a:t>deprecation). No term just gets deleted. </a:t>
-            </a:r>
-            <a:endParaRPr lang="en-US" sz="2400" dirty="0" smtClean="0"/>
+              <a:t> or deprecation). No term just gets deleted. </a:t>
+            </a:r>
           </a:p>
           <a:p>
             <a:r>
               <a:rPr lang="en-US" sz="2400" b="1" dirty="0" smtClean="0"/>
-              <a:t>Prior to deprecation - notice</a:t>
-            </a:r>
-            <a:r>
-              <a:rPr lang="en-US" sz="2400" b="1" dirty="0" smtClean="0"/>
-              <a:t>: to mailing </a:t>
-            </a:r>
-            <a:r>
-              <a:rPr lang="en-US" sz="2400" b="1" dirty="0" smtClean="0"/>
-              <a:t>lists</a:t>
+              <a:t>Prior to deprecation - notice: to mailing lists</a:t>
             </a:r>
             <a:r>
               <a:rPr lang="en-US" sz="2400" dirty="0" smtClean="0"/>
               <a:t>, soliciting opinions. </a:t>
             </a:r>
-            <a:endParaRPr lang="en-US" sz="2400" dirty="0" smtClean="0"/>
           </a:p>
           <a:p>
             <a:r>
               <a:rPr lang="en-US" sz="2400" b="1" dirty="0" smtClean="0"/>
-              <a:t>O</a:t>
-            </a:r>
-            <a:r>
-              <a:rPr lang="en-US" sz="2400" b="1" dirty="0" smtClean="0"/>
-              <a:t>kay </a:t>
-            </a:r>
-            <a:r>
-              <a:rPr lang="en-US" sz="2400" b="1" dirty="0" smtClean="0"/>
-              <a:t>to edit the file and obsolete it immediately</a:t>
+              <a:t>Okay to edit the file and obsolete it immediately</a:t>
             </a:r>
             <a:r>
               <a:rPr lang="en-US" sz="2400" dirty="0" smtClean="0"/>
@@ -5009,18 +4990,10 @@
             <a:pPr lvl="1"/>
             <a:r>
               <a:rPr lang="en-US" sz="1800" dirty="0" smtClean="0"/>
-              <a:t>An </a:t>
-            </a:r>
-            <a:r>
-              <a:rPr lang="en-US" sz="1800" dirty="0" smtClean="0"/>
-              <a:t>editor </a:t>
-            </a:r>
-            <a:r>
-              <a:rPr lang="en-US" sz="1800" dirty="0" smtClean="0"/>
-              <a:t>note will be added </a:t>
-            </a:r>
-            <a:r>
-              <a:rPr lang="en-US" sz="1800" dirty="0" smtClean="0"/>
+              <a:t>An editor note will be added </a:t>
+            </a:r>
+            <a:r>
+              <a:rPr lang="en-US" sz="1800" b="1" dirty="0" smtClean="0"/>
               <a:t>explaining </a:t>
             </a:r>
             <a:r>
@@ -5047,23 +5020,11 @@
             <a:pPr lvl="1"/>
             <a:r>
               <a:rPr lang="en-US" sz="1800" dirty="0" smtClean="0"/>
-              <a:t>Determine "obsolescence </a:t>
-            </a:r>
-            <a:r>
-              <a:rPr lang="en-US" sz="1800" dirty="0" smtClean="0"/>
-              <a:t>reason </a:t>
-            </a:r>
-            <a:r>
-              <a:rPr lang="en-US" sz="1800" dirty="0" smtClean="0"/>
-              <a:t>specification“: </a:t>
+              <a:t>Determine "obsolescence reason specification“: </a:t>
             </a:r>
             <a:r>
               <a:rPr lang="en-US" sz="1800" b="1" dirty="0" smtClean="0"/>
-              <a:t>term </a:t>
-            </a:r>
-            <a:r>
-              <a:rPr lang="en-US" sz="1800" b="1" dirty="0" smtClean="0"/>
-              <a:t>imported, term split, placeholder removed, terms merged, failed exploratory term, other</a:t>
+              <a:t>term imported, term split, placeholder removed, terms merged, failed exploratory term, other</a:t>
             </a:r>
             <a:r>
               <a:rPr lang="en-US" sz="1800" dirty="0" smtClean="0"/>
@@ -5086,25 +5047,23 @@
             <a:pPr lvl="1"/>
             <a:r>
               <a:rPr lang="en-US" sz="1800" b="1" dirty="0" smtClean="0"/>
-              <a:t>Identifiers </a:t>
-            </a:r>
-            <a:r>
-              <a:rPr lang="en-US" sz="1800" b="1" dirty="0" smtClean="0"/>
-              <a:t>are not re-used</a:t>
+              <a:t>Identifiers are not re-used</a:t>
             </a:r>
             <a:r>
               <a:rPr lang="en-US" sz="1800" dirty="0" smtClean="0"/>
               <a:t> so classes can be tracked. </a:t>
             </a:r>
-            <a:endParaRPr lang="en-US" sz="1800" dirty="0" smtClean="0"/>
           </a:p>
           <a:p>
             <a:pPr lvl="1"/>
             <a:r>
               <a:rPr lang="en-US" sz="1800" dirty="0" smtClean="0"/>
-              <a:t>Label is prefixed with ‘obsolete_’</a:t>
-            </a:r>
-            <a:endParaRPr lang="en-US" sz="1800" dirty="0" smtClean="0"/>
+              <a:t>Label is prefixed with </a:t>
+            </a:r>
+            <a:r>
+              <a:rPr lang="en-US" sz="1800" b="1" dirty="0" smtClean="0"/>
+              <a:t>‘obsolete_’</a:t>
+            </a:r>
           </a:p>
         </p:txBody>
       </p:sp>
@@ -5113,6 +5072,13 @@
   <p:clrMapOvr>
     <a:masterClrMapping/>
   </p:clrMapOvr>
+  <p:timing>
+    <p:tnLst>
+      <p:par>
+        <p:cTn id="1" dur="indefinite" restart="never" nodeType="tmRoot"/>
+      </p:par>
+    </p:tnLst>
+  </p:timing>
 </p:sld>
 </file>
 
@@ -5179,7 +5145,22 @@
           <a:p>
             <a:r>
               <a:rPr lang="en-US" dirty="0" smtClean="0"/>
-              <a:t>Discuss design patterns in detail, then apply to collection of terms (with no further discussion)</a:t>
+              <a:t>Discuss design patterns in detail, then apply to collection of terms </a:t>
+            </a:r>
+            <a:r>
+              <a:rPr lang="en-US" dirty="0" smtClean="0"/>
+              <a:t/>
+            </a:r>
+            <a:br>
+              <a:rPr lang="en-US" dirty="0" smtClean="0"/>
+            </a:br>
+            <a:r>
+              <a:rPr lang="en-US" dirty="0" smtClean="0"/>
+              <a:t>(</a:t>
+            </a:r>
+            <a:r>
+              <a:rPr lang="en-US" dirty="0" smtClean="0"/>
+              <a:t>with no further discussion)</a:t>
             </a:r>
           </a:p>
           <a:p>
@@ -5207,6 +5188,13 @@
   <p:clrMapOvr>
     <a:masterClrMapping/>
   </p:clrMapOvr>
+  <p:timing>
+    <p:tnLst>
+      <p:par>
+        <p:cTn id="1" dur="indefinite" restart="never" nodeType="tmRoot"/>
+      </p:par>
+    </p:tnLst>
+  </p:timing>
 </p:sld>
 </file>
 
@@ -5870,8 +5858,13 @@
           <a:p>
             <a:r>
               <a:rPr lang="en-US" dirty="0" smtClean="0"/>
-              <a:t>first stable release (Philly / 1.0) in Oct. 2010</a:t>
-            </a:r>
+              <a:t>first stable release (Philly / 1.0) in Oct. </a:t>
+            </a:r>
+            <a:r>
+              <a:rPr lang="en-US" dirty="0" smtClean="0"/>
+              <a:t>2009</a:t>
+            </a:r>
+            <a:endParaRPr lang="en-US" dirty="0" smtClean="0"/>
           </a:p>
           <a:p>
             <a:r>
@@ -5896,6 +5889,13 @@
   <p:clrMapOvr>
     <a:masterClrMapping/>
   </p:clrMapOvr>
+  <p:timing>
+    <p:tnLst>
+      <p:par>
+        <p:cTn id="1" dur="indefinite" restart="never" nodeType="tmRoot"/>
+      </p:par>
+    </p:tnLst>
+  </p:timing>
 </p:sld>
 </file>
 
@@ -5972,6 +5972,13 @@
   <p:clrMapOvr>
     <a:masterClrMapping/>
   </p:clrMapOvr>
+  <p:timing>
+    <p:tnLst>
+      <p:par>
+        <p:cTn id="1" dur="indefinite" restart="never" nodeType="tmRoot"/>
+      </p:par>
+    </p:tnLst>
+  </p:timing>
 </p:sld>
 </file>
 
@@ -6055,7 +6062,15 @@
           <a:p>
             <a:r>
               <a:rPr lang="en-US" sz="2000" dirty="0" smtClean="0"/>
-              <a:t>import ‘natural biological entities’ (MIREOT mechanism), </a:t>
+              <a:t>import ‘natural </a:t>
+            </a:r>
+            <a:r>
+              <a:rPr lang="en-US" sz="2000" dirty="0" smtClean="0"/>
+              <a:t>biomaterials’ </a:t>
+            </a:r>
+            <a:r>
+              <a:rPr lang="en-US" sz="2000" dirty="0" smtClean="0"/>
+              <a:t>(MIREOT mechanism), </a:t>
             </a:r>
             <a:br>
               <a:rPr lang="en-US" sz="2000" dirty="0" smtClean="0"/>
@@ -6075,13 +6090,8 @@
             </a:pPr>
             <a:r>
               <a:rPr lang="en-US" sz="2000" dirty="0" smtClean="0"/>
-              <a:t>OBI’s </a:t>
-            </a:r>
-            <a:r>
-              <a:rPr lang="en-US" sz="2000" dirty="0" smtClean="0"/>
-              <a:t>primary scope</a:t>
-            </a:r>
-            <a:endParaRPr lang="en-US" sz="2000" dirty="0" smtClean="0"/>
+              <a:t>OBI’s primary scope</a:t>
+            </a:r>
           </a:p>
           <a:p>
             <a:r>
@@ -6107,7 +6117,15 @@
             <a:pPr lvl="1"/>
             <a:r>
               <a:rPr lang="en-US" sz="1800" dirty="0" smtClean="0"/>
-              <a:t>some ‘natural’ entities can also be created (e.g. molecules) </a:t>
+              <a:t>some ‘</a:t>
+            </a:r>
+            <a:r>
+              <a:rPr lang="en-US" sz="1800" dirty="0" smtClean="0"/>
+              <a:t>natural biomaterials’ can </a:t>
+            </a:r>
+            <a:r>
+              <a:rPr lang="en-US" sz="1800" dirty="0" smtClean="0"/>
+              <a:t>also be created (e.g. molecules) </a:t>
             </a:r>
             <a:br>
               <a:rPr lang="en-US" sz="1800" dirty="0" smtClean="0"/>
@@ -6133,8 +6151,17 @@
               <a:rPr lang="en-US" sz="1800" dirty="0" smtClean="0">
                 <a:sym typeface="Wingdings" pitchFamily="2" charset="2"/>
               </a:rPr>
-              <a:t>material entities about which information is gained during the investigation</a:t>
-            </a:r>
+              <a:t>material entities about which information is </a:t>
+            </a:r>
+            <a:r>
+              <a:rPr lang="en-US" sz="1800" dirty="0" smtClean="0">
+                <a:sym typeface="Wingdings" pitchFamily="2" charset="2"/>
+              </a:rPr>
+              <a:t>gathered during an investigation</a:t>
+            </a:r>
+            <a:endParaRPr lang="en-US" sz="1800" dirty="0" smtClean="0">
+              <a:sym typeface="Wingdings" pitchFamily="2" charset="2"/>
+            </a:endParaRPr>
           </a:p>
           <a:p>
             <a:pPr lvl="1"/>
@@ -6152,6 +6179,13 @@
   <p:clrMapOvr>
     <a:masterClrMapping/>
   </p:clrMapOvr>
+  <p:timing>
+    <p:tnLst>
+      <p:par>
+        <p:cTn id="1" dur="indefinite" restart="never" nodeType="tmRoot"/>
+      </p:par>
+    </p:tnLst>
+  </p:timing>
 </p:sld>
 </file>
 
@@ -6220,7 +6254,22 @@
           <a:p>
             <a:r>
               <a:rPr lang="en-US" sz="2400" dirty="0" smtClean="0"/>
-              <a:t>have specified inputs and outputs (=participants called out in the specification)</a:t>
+              <a:t>have specified inputs and outputs </a:t>
+            </a:r>
+            <a:r>
+              <a:rPr lang="en-US" sz="2400" dirty="0" smtClean="0"/>
+              <a:t/>
+            </a:r>
+            <a:br>
+              <a:rPr lang="en-US" sz="2400" dirty="0" smtClean="0"/>
+            </a:br>
+            <a:r>
+              <a:rPr lang="en-US" sz="2400" dirty="0" smtClean="0"/>
+              <a:t>(=</a:t>
+            </a:r>
+            <a:r>
+              <a:rPr lang="en-US" sz="2400" dirty="0" smtClean="0"/>
+              <a:t>participants called out in the specification)</a:t>
             </a:r>
           </a:p>
           <a:p>
@@ -6263,6 +6312,13 @@
   <p:clrMapOvr>
     <a:masterClrMapping/>
   </p:clrMapOvr>
+  <p:timing>
+    <p:tnLst>
+      <p:par>
+        <p:cTn id="1" dur="indefinite" restart="never" nodeType="tmRoot"/>
+      </p:par>
+    </p:tnLst>
+  </p:timing>
 </p:sld>
 </file>
 
@@ -6330,6 +6386,13 @@
   <p:clrMapOvr>
     <a:masterClrMapping/>
   </p:clrMapOvr>
+  <p:timing>
+    <p:tnLst>
+      <p:par>
+        <p:cTn id="1" dur="indefinite" restart="never" nodeType="tmRoot"/>
+      </p:par>
+    </p:tnLst>
+  </p:timing>
 </p:sld>
 </file>
 
@@ -6434,6 +6497,13 @@
   <p:clrMapOvr>
     <a:masterClrMapping/>
   </p:clrMapOvr>
+  <p:timing>
+    <p:tnLst>
+      <p:par>
+        <p:cTn id="1" dur="indefinite" restart="never" nodeType="tmRoot"/>
+      </p:par>
+    </p:tnLst>
+  </p:timing>
 </p:sld>
 </file>
 
@@ -6521,6 +6591,13 @@
   <p:clrMapOvr>
     <a:masterClrMapping/>
   </p:clrMapOvr>
+  <p:timing>
+    <p:tnLst>
+      <p:par>
+        <p:cTn id="1" dur="indefinite" restart="never" nodeType="tmRoot"/>
+      </p:par>
+    </p:tnLst>
+  </p:timing>
 </p:sld>
 </file>
 
@@ -6612,6 +6689,13 @@
   <p:clrMapOvr>
     <a:masterClrMapping/>
   </p:clrMapOvr>
+  <p:timing>
+    <p:tnLst>
+      <p:par>
+        <p:cTn id="1" dur="indefinite" restart="never" nodeType="tmRoot"/>
+      </p:par>
+    </p:tnLst>
+  </p:timing>
 </p:sld>
 </file>
 
